--- a/Cookie Dough v0 draft.pptx
+++ b/Cookie Dough v0 draft.pptx
@@ -131,7 +131,7 @@
   </p:defaultTextStyle>
   <p:extLst>
     <p:ext uri="{EFAFB233-063F-42B5-8137-9DF3F51BA10A}">
-      <p15:sldGuideLst xmlns:p15="http://schemas.microsoft.com/office/powerpoint/2012/main"/>
+      <p15:sldGuideLst xmlns:p15="http://schemas.microsoft.com/office/powerpoint/2012/main" xmlns=""/>
     </p:ext>
   </p:extLst>
 </p:presentation>
@@ -219,7 +219,7 @@
           <a:p>
             <a:fld id="{71A1B7DA-BCCD-42B4-8C71-92EE245E53F2}" type="datetimeFigureOut">
               <a:rPr lang="en-US" smtClean="0"/>
-              <a:t>9/11/2015</a:t>
+              <a:t>9/24/2015</a:t>
             </a:fld>
             <a:endParaRPr lang="en-US"/>
           </a:p>
@@ -702,7 +702,7 @@
           <a:p>
             <a:fld id="{BE7E790E-49B1-4F83-B1A8-60D4C12FC081}" type="datetimeFigureOut">
               <a:rPr lang="en-US" smtClean="0"/>
-              <a:t>9/11/2015</a:t>
+              <a:t>9/24/2015</a:t>
             </a:fld>
             <a:endParaRPr lang="en-US"/>
           </a:p>
@@ -872,7 +872,7 @@
           <a:p>
             <a:fld id="{BE7E790E-49B1-4F83-B1A8-60D4C12FC081}" type="datetimeFigureOut">
               <a:rPr lang="en-US" smtClean="0"/>
-              <a:t>9/11/2015</a:t>
+              <a:t>9/24/2015</a:t>
             </a:fld>
             <a:endParaRPr lang="en-US"/>
           </a:p>
@@ -1052,7 +1052,7 @@
           <a:p>
             <a:fld id="{BE7E790E-49B1-4F83-B1A8-60D4C12FC081}" type="datetimeFigureOut">
               <a:rPr lang="en-US" smtClean="0"/>
-              <a:t>9/11/2015</a:t>
+              <a:t>9/24/2015</a:t>
             </a:fld>
             <a:endParaRPr lang="en-US"/>
           </a:p>
@@ -1222,7 +1222,7 @@
           <a:p>
             <a:fld id="{BE7E790E-49B1-4F83-B1A8-60D4C12FC081}" type="datetimeFigureOut">
               <a:rPr lang="en-US" smtClean="0"/>
-              <a:t>9/11/2015</a:t>
+              <a:t>9/24/2015</a:t>
             </a:fld>
             <a:endParaRPr lang="en-US"/>
           </a:p>
@@ -1468,7 +1468,7 @@
           <a:p>
             <a:fld id="{BE7E790E-49B1-4F83-B1A8-60D4C12FC081}" type="datetimeFigureOut">
               <a:rPr lang="en-US" smtClean="0"/>
-              <a:t>9/11/2015</a:t>
+              <a:t>9/24/2015</a:t>
             </a:fld>
             <a:endParaRPr lang="en-US"/>
           </a:p>
@@ -1700,7 +1700,7 @@
           <a:p>
             <a:fld id="{BE7E790E-49B1-4F83-B1A8-60D4C12FC081}" type="datetimeFigureOut">
               <a:rPr lang="en-US" smtClean="0"/>
-              <a:t>9/11/2015</a:t>
+              <a:t>9/24/2015</a:t>
             </a:fld>
             <a:endParaRPr lang="en-US"/>
           </a:p>
@@ -2067,7 +2067,7 @@
           <a:p>
             <a:fld id="{BE7E790E-49B1-4F83-B1A8-60D4C12FC081}" type="datetimeFigureOut">
               <a:rPr lang="en-US" smtClean="0"/>
-              <a:t>9/11/2015</a:t>
+              <a:t>9/24/2015</a:t>
             </a:fld>
             <a:endParaRPr lang="en-US"/>
           </a:p>
@@ -2185,7 +2185,7 @@
           <a:p>
             <a:fld id="{BE7E790E-49B1-4F83-B1A8-60D4C12FC081}" type="datetimeFigureOut">
               <a:rPr lang="en-US" smtClean="0"/>
-              <a:t>9/11/2015</a:t>
+              <a:t>9/24/2015</a:t>
             </a:fld>
             <a:endParaRPr lang="en-US"/>
           </a:p>
@@ -2280,7 +2280,7 @@
           <a:p>
             <a:fld id="{BE7E790E-49B1-4F83-B1A8-60D4C12FC081}" type="datetimeFigureOut">
               <a:rPr lang="en-US" smtClean="0"/>
-              <a:t>9/11/2015</a:t>
+              <a:t>9/24/2015</a:t>
             </a:fld>
             <a:endParaRPr lang="en-US"/>
           </a:p>
@@ -2557,7 +2557,7 @@
           <a:p>
             <a:fld id="{BE7E790E-49B1-4F83-B1A8-60D4C12FC081}" type="datetimeFigureOut">
               <a:rPr lang="en-US" smtClean="0"/>
-              <a:t>9/11/2015</a:t>
+              <a:t>9/24/2015</a:t>
             </a:fld>
             <a:endParaRPr lang="en-US"/>
           </a:p>
@@ -2810,7 +2810,7 @@
           <a:p>
             <a:fld id="{BE7E790E-49B1-4F83-B1A8-60D4C12FC081}" type="datetimeFigureOut">
               <a:rPr lang="en-US" smtClean="0"/>
-              <a:t>9/11/2015</a:t>
+              <a:t>9/24/2015</a:t>
             </a:fld>
             <a:endParaRPr lang="en-US"/>
           </a:p>
@@ -3023,7 +3023,7 @@
           <a:p>
             <a:fld id="{BE7E790E-49B1-4F83-B1A8-60D4C12FC081}" type="datetimeFigureOut">
               <a:rPr lang="en-US" smtClean="0"/>
-              <a:t>9/11/2015</a:t>
+              <a:t>9/24/2015</a:t>
             </a:fld>
             <a:endParaRPr lang="en-US"/>
           </a:p>
@@ -3468,6 +3468,10 @@
           </a:bodyPr>
           <a:lstStyle/>
           <a:p>
+            <a:r>
+              <a:rPr lang="en-US" dirty="0" smtClean="0"/>
+              <a:t>Monetize Your Identity</a:t>
+            </a:r>
             <a:endParaRPr lang="en-US" dirty="0"/>
           </a:p>
         </p:txBody>
@@ -14680,7 +14684,7 @@
   <a:extraClrSchemeLst/>
   <a:extLst>
     <a:ext uri="{05A4C25C-085E-4340-85A3-A5531E510DB2}">
-      <thm15:themeFamily xmlns:thm15="http://schemas.microsoft.com/office/thememl/2012/main" name="Office Theme" id="{62F939B6-93AF-4DB8-9C6B-D6C7DFDC589F}" vid="{4A3C46E8-61CC-4603-A589-7422A47A8E4A}"/>
+      <thm15:themeFamily xmlns:thm15="http://schemas.microsoft.com/office/thememl/2012/main" xmlns="" name="Office Theme" id="{62F939B6-93AF-4DB8-9C6B-D6C7DFDC589F}" vid="{4A3C46E8-61CC-4603-A589-7422A47A8E4A}"/>
     </a:ext>
   </a:extLst>
 </a:theme>
@@ -14941,7 +14945,7 @@
   <a:extraClrSchemeLst/>
   <a:extLst>
     <a:ext uri="{05A4C25C-085E-4340-85A3-A5531E510DB2}">
-      <thm15:themeFamily xmlns:thm15="http://schemas.microsoft.com/office/thememl/2012/main" name="Office Theme" id="{62F939B6-93AF-4DB8-9C6B-D6C7DFDC589F}" vid="{4A3C46E8-61CC-4603-A589-7422A47A8E4A}"/>
+      <thm15:themeFamily xmlns:thm15="http://schemas.microsoft.com/office/thememl/2012/main" xmlns="" name="Office Theme" id="{62F939B6-93AF-4DB8-9C6B-D6C7DFDC589F}" vid="{4A3C46E8-61CC-4603-A589-7422A47A8E4A}"/>
     </a:ext>
   </a:extLst>
 </a:theme>

--- a/Cookie Dough v0 draft.pptx
+++ b/Cookie Dough v0 draft.pptx
@@ -219,7 +219,7 @@
           <a:p>
             <a:fld id="{71A1B7DA-BCCD-42B4-8C71-92EE245E53F2}" type="datetimeFigureOut">
               <a:rPr lang="en-US" smtClean="0"/>
-              <a:t>9/11/2015</a:t>
+              <a:t>9/24/15</a:t>
             </a:fld>
             <a:endParaRPr lang="en-US"/>
           </a:p>
@@ -702,7 +702,7 @@
           <a:p>
             <a:fld id="{BE7E790E-49B1-4F83-B1A8-60D4C12FC081}" type="datetimeFigureOut">
               <a:rPr lang="en-US" smtClean="0"/>
-              <a:t>9/11/2015</a:t>
+              <a:t>9/24/15</a:t>
             </a:fld>
             <a:endParaRPr lang="en-US"/>
           </a:p>
@@ -872,7 +872,7 @@
           <a:p>
             <a:fld id="{BE7E790E-49B1-4F83-B1A8-60D4C12FC081}" type="datetimeFigureOut">
               <a:rPr lang="en-US" smtClean="0"/>
-              <a:t>9/11/2015</a:t>
+              <a:t>9/24/15</a:t>
             </a:fld>
             <a:endParaRPr lang="en-US"/>
           </a:p>
@@ -1052,7 +1052,7 @@
           <a:p>
             <a:fld id="{BE7E790E-49B1-4F83-B1A8-60D4C12FC081}" type="datetimeFigureOut">
               <a:rPr lang="en-US" smtClean="0"/>
-              <a:t>9/11/2015</a:t>
+              <a:t>9/24/15</a:t>
             </a:fld>
             <a:endParaRPr lang="en-US"/>
           </a:p>
@@ -1222,7 +1222,7 @@
           <a:p>
             <a:fld id="{BE7E790E-49B1-4F83-B1A8-60D4C12FC081}" type="datetimeFigureOut">
               <a:rPr lang="en-US" smtClean="0"/>
-              <a:t>9/11/2015</a:t>
+              <a:t>9/24/15</a:t>
             </a:fld>
             <a:endParaRPr lang="en-US"/>
           </a:p>
@@ -1468,7 +1468,7 @@
           <a:p>
             <a:fld id="{BE7E790E-49B1-4F83-B1A8-60D4C12FC081}" type="datetimeFigureOut">
               <a:rPr lang="en-US" smtClean="0"/>
-              <a:t>9/11/2015</a:t>
+              <a:t>9/24/15</a:t>
             </a:fld>
             <a:endParaRPr lang="en-US"/>
           </a:p>
@@ -1700,7 +1700,7 @@
           <a:p>
             <a:fld id="{BE7E790E-49B1-4F83-B1A8-60D4C12FC081}" type="datetimeFigureOut">
               <a:rPr lang="en-US" smtClean="0"/>
-              <a:t>9/11/2015</a:t>
+              <a:t>9/24/15</a:t>
             </a:fld>
             <a:endParaRPr lang="en-US"/>
           </a:p>
@@ -2067,7 +2067,7 @@
           <a:p>
             <a:fld id="{BE7E790E-49B1-4F83-B1A8-60D4C12FC081}" type="datetimeFigureOut">
               <a:rPr lang="en-US" smtClean="0"/>
-              <a:t>9/11/2015</a:t>
+              <a:t>9/24/15</a:t>
             </a:fld>
             <a:endParaRPr lang="en-US"/>
           </a:p>
@@ -2185,7 +2185,7 @@
           <a:p>
             <a:fld id="{BE7E790E-49B1-4F83-B1A8-60D4C12FC081}" type="datetimeFigureOut">
               <a:rPr lang="en-US" smtClean="0"/>
-              <a:t>9/11/2015</a:t>
+              <a:t>9/24/15</a:t>
             </a:fld>
             <a:endParaRPr lang="en-US"/>
           </a:p>
@@ -2280,7 +2280,7 @@
           <a:p>
             <a:fld id="{BE7E790E-49B1-4F83-B1A8-60D4C12FC081}" type="datetimeFigureOut">
               <a:rPr lang="en-US" smtClean="0"/>
-              <a:t>9/11/2015</a:t>
+              <a:t>9/24/15</a:t>
             </a:fld>
             <a:endParaRPr lang="en-US"/>
           </a:p>
@@ -2557,7 +2557,7 @@
           <a:p>
             <a:fld id="{BE7E790E-49B1-4F83-B1A8-60D4C12FC081}" type="datetimeFigureOut">
               <a:rPr lang="en-US" smtClean="0"/>
-              <a:t>9/11/2015</a:t>
+              <a:t>9/24/15</a:t>
             </a:fld>
             <a:endParaRPr lang="en-US"/>
           </a:p>
@@ -2810,7 +2810,7 @@
           <a:p>
             <a:fld id="{BE7E790E-49B1-4F83-B1A8-60D4C12FC081}" type="datetimeFigureOut">
               <a:rPr lang="en-US" smtClean="0"/>
-              <a:t>9/11/2015</a:t>
+              <a:t>9/24/15</a:t>
             </a:fld>
             <a:endParaRPr lang="en-US"/>
           </a:p>
@@ -3023,7 +3023,7 @@
           <a:p>
             <a:fld id="{BE7E790E-49B1-4F83-B1A8-60D4C12FC081}" type="datetimeFigureOut">
               <a:rPr lang="en-US" smtClean="0"/>
-              <a:t>9/11/2015</a:t>
+              <a:t>9/24/15</a:t>
             </a:fld>
             <a:endParaRPr lang="en-US"/>
           </a:p>
@@ -3468,6 +3468,16 @@
           </a:bodyPr>
           <a:lstStyle/>
           <a:p>
+            <a:r>
+              <a:rPr lang="en-US" dirty="0" smtClean="0"/>
+              <a:t>V0</a:t>
+            </a:r>
+          </a:p>
+          <a:p>
+            <a:r>
+              <a:rPr lang="en-US" smtClean="0"/>
+              <a:t>9-24-2015</a:t>
+            </a:r>
             <a:endParaRPr lang="en-US" dirty="0"/>
           </a:p>
         </p:txBody>
